--- a/Employee_Salary_Prediction_Presentation[1].pptx
+++ b/Employee_Salary_Prediction_Presentation[1].pptx
@@ -138,7 +138,7 @@
 <file path=ppt/revisionInfo.xml><?xml version="1.0" encoding="utf-8"?>
 <p1510:revInfo xmlns:a="http://schemas.openxmlformats.org/drawingml/2006/main" xmlns:r="http://schemas.openxmlformats.org/officeDocument/2006/relationships" xmlns:p1510="http://schemas.microsoft.com/office/powerpoint/2015/10/main">
   <p1510:revLst>
-    <p1510:client id="{B4BA9C0C-8DCA-4A65-8B87-E320F31336DF}" v="10" dt="2025-07-22T12:23:00.009"/>
+    <p1510:client id="{B4BA9C0C-8DCA-4A65-8B87-E320F31336DF}" v="13" dt="2025-07-22T12:56:11.991"/>
   </p1510:revLst>
 </p1510:revInfo>
 </file>
@@ -147,8 +147,8 @@
 <pc:chgInfo xmlns:a="http://schemas.openxmlformats.org/drawingml/2006/main" xmlns:r="http://schemas.openxmlformats.org/officeDocument/2006/relationships" xmlns:ac="http://schemas.microsoft.com/office/drawing/2013/main/command" xmlns:pc="http://schemas.microsoft.com/office/powerpoint/2013/main/command">
   <pc:docChgLst>
     <pc:chgData name="ANJALI CHANDRASHEKHAR KALAS" userId="de85ce5271829f0e" providerId="LiveId" clId="{B4BA9C0C-8DCA-4A65-8B87-E320F31336DF}"/>
-    <pc:docChg chg="custSel modSld">
-      <pc:chgData name="ANJALI CHANDRASHEKHAR KALAS" userId="de85ce5271829f0e" providerId="LiveId" clId="{B4BA9C0C-8DCA-4A65-8B87-E320F31336DF}" dt="2025-07-22T12:36:05.131" v="95" actId="14100"/>
+    <pc:docChg chg="custSel modSld sldOrd">
+      <pc:chgData name="ANJALI CHANDRASHEKHAR KALAS" userId="de85ce5271829f0e" providerId="LiveId" clId="{B4BA9C0C-8DCA-4A65-8B87-E320F31336DF}" dt="2025-07-22T12:56:13.955" v="128" actId="20577"/>
       <pc:docMkLst>
         <pc:docMk/>
       </pc:docMkLst>
@@ -166,6 +166,13 @@
             <ac:spMk id="2" creationId="{A8A11E26-4C38-41A6-9857-11032CEECD80}"/>
           </ac:spMkLst>
         </pc:spChg>
+      </pc:sldChg>
+      <pc:sldChg chg="ord">
+        <pc:chgData name="ANJALI CHANDRASHEKHAR KALAS" userId="de85ce5271829f0e" providerId="LiveId" clId="{B4BA9C0C-8DCA-4A65-8B87-E320F31336DF}" dt="2025-07-22T12:52:01.666" v="97"/>
+        <pc:sldMkLst>
+          <pc:docMk/>
+          <pc:sldMk cId="3202024527" sldId="265"/>
+        </pc:sldMkLst>
       </pc:sldChg>
       <pc:sldChg chg="delSp mod">
         <pc:chgData name="ANJALI CHANDRASHEKHAR KALAS" userId="de85ce5271829f0e" providerId="LiveId" clId="{B4BA9C0C-8DCA-4A65-8B87-E320F31336DF}" dt="2025-07-22T11:57:10.165" v="3"/>
@@ -191,13 +198,13 @@
         </pc:spChg>
       </pc:sldChg>
       <pc:sldChg chg="addSp delSp modSp mod">
-        <pc:chgData name="ANJALI CHANDRASHEKHAR KALAS" userId="de85ce5271829f0e" providerId="LiveId" clId="{B4BA9C0C-8DCA-4A65-8B87-E320F31336DF}" dt="2025-07-22T12:20:07.191" v="77" actId="1076"/>
+        <pc:chgData name="ANJALI CHANDRASHEKHAR KALAS" userId="de85ce5271829f0e" providerId="LiveId" clId="{B4BA9C0C-8DCA-4A65-8B87-E320F31336DF}" dt="2025-07-22T12:56:13.955" v="128" actId="20577"/>
         <pc:sldMkLst>
           <pc:docMk/>
           <pc:sldMk cId="1483293388" sldId="267"/>
         </pc:sldMkLst>
         <pc:spChg chg="mod">
-          <ac:chgData name="ANJALI CHANDRASHEKHAR KALAS" userId="de85ce5271829f0e" providerId="LiveId" clId="{B4BA9C0C-8DCA-4A65-8B87-E320F31336DF}" dt="2025-07-22T12:19:09.973" v="65" actId="27636"/>
+          <ac:chgData name="ANJALI CHANDRASHEKHAR KALAS" userId="de85ce5271829f0e" providerId="LiveId" clId="{B4BA9C0C-8DCA-4A65-8B87-E320F31336DF}" dt="2025-07-22T12:56:13.955" v="128" actId="20577"/>
           <ac:spMkLst>
             <pc:docMk/>
             <pc:sldMk cId="1483293388" sldId="267"/>
@@ -6139,9 +6146,28 @@
                 <a:ea typeface="+mn-lt"/>
                 <a:cs typeface="+mn-lt"/>
               </a:rPr>
-              <a:t>https://github.com/</a:t>
-            </a:r>
-            <a:endParaRPr lang="en-US" sz="2800" b="1" dirty="0"/>
+              <a:t>GitHub repository link : </a:t>
+            </a:r>
+            <a:r>
+              <a:rPr lang="en-US" sz="2800" dirty="0">
+                <a:ea typeface="+mn-lt"/>
+                <a:cs typeface="+mn-lt"/>
+                <a:hlinkClick r:id="rId2"/>
+              </a:rPr>
+              <a:t>https://github.com/anjalick732</a:t>
+            </a:r>
+            <a:r>
+              <a:rPr lang="en-US" sz="2800">
+                <a:ea typeface="+mn-lt"/>
+                <a:cs typeface="+mn-lt"/>
+                <a:hlinkClick r:id="rId2"/>
+              </a:rPr>
+              <a:t>/SalaryPrediction</a:t>
+            </a:r>
+            <a:endParaRPr lang="en-US" sz="2800">
+              <a:ea typeface="+mn-lt"/>
+              <a:cs typeface="+mn-lt"/>
+            </a:endParaRPr>
           </a:p>
         </p:txBody>
       </p:sp>
@@ -6160,7 +6186,7 @@
           <p:nvPr/>
         </p:nvPicPr>
         <p:blipFill>
-          <a:blip r:embed="rId2"/>
+          <a:blip r:embed="rId3"/>
           <a:stretch>
             <a:fillRect/>
           </a:stretch>
@@ -6190,7 +6216,7 @@
           <p:nvPr/>
         </p:nvPicPr>
         <p:blipFill>
-          <a:blip r:embed="rId3"/>
+          <a:blip r:embed="rId4"/>
           <a:stretch>
             <a:fillRect/>
           </a:stretch>
@@ -6220,7 +6246,7 @@
           <p:nvPr/>
         </p:nvPicPr>
         <p:blipFill>
-          <a:blip r:embed="rId4"/>
+          <a:blip r:embed="rId5"/>
           <a:stretch>
             <a:fillRect/>
           </a:stretch>
@@ -6250,7 +6276,7 @@
           <p:nvPr/>
         </p:nvPicPr>
         <p:blipFill>
-          <a:blip r:embed="rId5"/>
+          <a:blip r:embed="rId6"/>
           <a:stretch>
             <a:fillRect/>
           </a:stretch>
@@ -6280,7 +6306,7 @@
           <p:nvPr/>
         </p:nvPicPr>
         <p:blipFill>
-          <a:blip r:embed="rId6"/>
+          <a:blip r:embed="rId7"/>
           <a:stretch>
             <a:fillRect/>
           </a:stretch>
@@ -6310,7 +6336,7 @@
           <p:nvPr/>
         </p:nvPicPr>
         <p:blipFill>
-          <a:blip r:embed="rId7"/>
+          <a:blip r:embed="rId8"/>
           <a:stretch>
             <a:fillRect/>
           </a:stretch>
@@ -7405,6 +7431,24 @@
 </file>
 
 <file path=customXml/item1.xml><?xml version="1.0" encoding="utf-8"?>
+<?mso-contentType ?>
+<FormTemplates xmlns="http://schemas.microsoft.com/sharepoint/v3/contenttype/forms">
+  <Display>DocumentLibraryForm</Display>
+  <Edit>DocumentLibraryForm</Edit>
+  <New>DocumentLibraryForm</New>
+</FormTemplates>
+</file>
+
+<file path=customXml/item2.xml><?xml version="1.0" encoding="utf-8"?>
+<p:properties xmlns:p="http://schemas.microsoft.com/office/2006/metadata/properties" xmlns:xsi="http://www.w3.org/2001/XMLSchema-instance" xmlns:pc="http://schemas.microsoft.com/office/infopath/2007/PartnerControls">
+  <documentManagement>
+    <MediaServiceKeyPoints xmlns="9162bd5b-4ed9-4da3-b376-05204580ba3f" xsi:nil="true"/>
+    <_activity xmlns="9162bd5b-4ed9-4da3-b376-05204580ba3f" xsi:nil="true"/>
+  </documentManagement>
+</p:properties>
+</file>
+
+<file path=customXml/item3.xml><?xml version="1.0" encoding="utf-8"?>
 <ct:contentTypeSchema xmlns:ct="http://schemas.microsoft.com/office/2006/metadata/contentType" xmlns:ma="http://schemas.microsoft.com/office/2006/metadata/properties/metaAttributes" ct:_="" ma:_="" ma:contentTypeName="Document" ma:contentTypeID="0x0101000F1872188ABCFC48BECA6C87E8AC3285" ma:contentTypeVersion="17" ma:contentTypeDescription="Create a new document." ma:contentTypeScope="" ma:versionID="55a158675e089c6a85ab0f83b89e1a15">
   <xsd:schema xmlns:xsd="http://www.w3.org/2001/XMLSchema" xmlns:xs="http://www.w3.org/2001/XMLSchema" xmlns:p="http://schemas.microsoft.com/office/2006/metadata/properties" xmlns:ns3="9162bd5b-4ed9-4da3-b376-05204580ba3f" xmlns:ns4="c0fa2617-96bd-425d-8578-e93563fe37c5" targetNamespace="http://schemas.microsoft.com/office/2006/metadata/properties" ma:root="true" ma:fieldsID="b35f082308864fa161c4a0a9eca35eff" ns3:_="" ns4:_="">
     <xsd:import namespace="9162bd5b-4ed9-4da3-b376-05204580ba3f"/>
@@ -7651,25 +7695,32 @@
 </ct:contentTypeSchema>
 </file>
 
-<file path=customXml/item2.xml><?xml version="1.0" encoding="utf-8"?>
-<?mso-contentType ?>
-<FormTemplates xmlns="http://schemas.microsoft.com/sharepoint/v3/contenttype/forms">
-  <Display>DocumentLibraryForm</Display>
-  <Edit>DocumentLibraryForm</Edit>
-  <New>DocumentLibraryForm</New>
-</FormTemplates>
+<file path=customXml/itemProps1.xml><?xml version="1.0" encoding="utf-8"?>
+<ds:datastoreItem xmlns:ds="http://schemas.openxmlformats.org/officeDocument/2006/customXml" ds:itemID="{927BD4C1-B6B1-4715-ABF9-E660A51A4EA0}">
+  <ds:schemaRefs>
+    <ds:schemaRef ds:uri="http://schemas.microsoft.com/sharepoint/v3/contenttype/forms"/>
+  </ds:schemaRefs>
+</ds:datastoreItem>
 </file>
 
-<file path=customXml/item3.xml><?xml version="1.0" encoding="utf-8"?>
-<p:properties xmlns:p="http://schemas.microsoft.com/office/2006/metadata/properties" xmlns:xsi="http://www.w3.org/2001/XMLSchema-instance" xmlns:pc="http://schemas.microsoft.com/office/infopath/2007/PartnerControls">
-  <documentManagement>
-    <MediaServiceKeyPoints xmlns="9162bd5b-4ed9-4da3-b376-05204580ba3f" xsi:nil="true"/>
-    <_activity xmlns="9162bd5b-4ed9-4da3-b376-05204580ba3f" xsi:nil="true"/>
-  </documentManagement>
-</p:properties>
+<file path=customXml/itemProps2.xml><?xml version="1.0" encoding="utf-8"?>
+<ds:datastoreItem xmlns:ds="http://schemas.openxmlformats.org/officeDocument/2006/customXml" ds:itemID="{8D289AE2-D2AE-49D1-AFAC-3A79F6794255}">
+  <ds:schemaRefs>
+    <ds:schemaRef ds:uri="http://purl.org/dc/terms/"/>
+    <ds:schemaRef ds:uri="http://schemas.openxmlformats.org/package/2006/metadata/core-properties"/>
+    <ds:schemaRef ds:uri="http://schemas.microsoft.com/office/2006/documentManagement/types"/>
+    <ds:schemaRef ds:uri="http://schemas.microsoft.com/office/infopath/2007/PartnerControls"/>
+    <ds:schemaRef ds:uri="http://purl.org/dc/elements/1.1/"/>
+    <ds:schemaRef ds:uri="http://schemas.microsoft.com/office/2006/metadata/properties"/>
+    <ds:schemaRef ds:uri="c0fa2617-96bd-425d-8578-e93563fe37c5"/>
+    <ds:schemaRef ds:uri="9162bd5b-4ed9-4da3-b376-05204580ba3f"/>
+    <ds:schemaRef ds:uri="http://www.w3.org/XML/1998/namespace"/>
+    <ds:schemaRef ds:uri="http://purl.org/dc/dcmitype/"/>
+  </ds:schemaRefs>
+</ds:datastoreItem>
 </file>
 
-<file path=customXml/itemProps1.xml><?xml version="1.0" encoding="utf-8"?>
+<file path=customXml/itemProps3.xml><?xml version="1.0" encoding="utf-8"?>
 <ds:datastoreItem xmlns:ds="http://schemas.openxmlformats.org/officeDocument/2006/customXml" ds:itemID="{6E816721-11E4-4989-8472-AB5A7EC20404}">
   <ds:schemaRefs>
     <ds:schemaRef ds:uri="9162bd5b-4ed9-4da3-b376-05204580ba3f"/>
@@ -7686,29 +7737,4 @@
     <ds:schemaRef ds:uri="http://www.w3.org/2001/XMLSchema"/>
   </ds:schemaRefs>
 </ds:datastoreItem>
-</file>
-
-<file path=customXml/itemProps2.xml><?xml version="1.0" encoding="utf-8"?>
-<ds:datastoreItem xmlns:ds="http://schemas.openxmlformats.org/officeDocument/2006/customXml" ds:itemID="{927BD4C1-B6B1-4715-ABF9-E660A51A4EA0}">
-  <ds:schemaRefs>
-    <ds:schemaRef ds:uri="http://schemas.microsoft.com/sharepoint/v3/contenttype/forms"/>
-  </ds:schemaRefs>
-</ds:datastoreItem>
-</file>
-
-<file path=customXml/itemProps3.xml><?xml version="1.0" encoding="utf-8"?>
-<ds:datastoreItem xmlns:ds="http://schemas.openxmlformats.org/officeDocument/2006/customXml" ds:itemID="{8D289AE2-D2AE-49D1-AFAC-3A79F6794255}">
-  <ds:schemaRefs>
-    <ds:schemaRef ds:uri="http://purl.org/dc/terms/"/>
-    <ds:schemaRef ds:uri="http://schemas.openxmlformats.org/package/2006/metadata/core-properties"/>
-    <ds:schemaRef ds:uri="http://schemas.microsoft.com/office/2006/documentManagement/types"/>
-    <ds:schemaRef ds:uri="http://schemas.microsoft.com/office/infopath/2007/PartnerControls"/>
-    <ds:schemaRef ds:uri="http://purl.org/dc/elements/1.1/"/>
-    <ds:schemaRef ds:uri="http://schemas.microsoft.com/office/2006/metadata/properties"/>
-    <ds:schemaRef ds:uri="c0fa2617-96bd-425d-8578-e93563fe37c5"/>
-    <ds:schemaRef ds:uri="9162bd5b-4ed9-4da3-b376-05204580ba3f"/>
-    <ds:schemaRef ds:uri="http://www.w3.org/XML/1998/namespace"/>
-    <ds:schemaRef ds:uri="http://purl.org/dc/dcmitype/"/>
-  </ds:schemaRefs>
-</ds:datastoreItem>
 </file>